--- a/Training_ppt/mongodb class 14.pptx
+++ b/Training_ppt/mongodb class 14.pptx
@@ -9,10 +9,10 @@
     <p:sldMasterId id="2147483899" r:id="rId5"/>
   </p:sldMasterIdLst>
   <p:notesMasterIdLst>
-    <p:notesMasterId r:id="rId25"/>
+    <p:notesMasterId r:id="rId24"/>
   </p:notesMasterIdLst>
   <p:handoutMasterIdLst>
-    <p:handoutMasterId r:id="rId26"/>
+    <p:handoutMasterId r:id="rId25"/>
   </p:handoutMasterIdLst>
   <p:sldIdLst>
     <p:sldId id="534" r:id="rId6"/>
@@ -33,7 +33,6 @@
     <p:sldId id="547" r:id="rId21"/>
     <p:sldId id="542" r:id="rId22"/>
     <p:sldId id="535" r:id="rId23"/>
-    <p:sldId id="536" r:id="rId24"/>
   </p:sldIdLst>
   <p:sldSz cx="9144000" cy="6858000" type="screen4x3"/>
   <p:notesSz cx="6858000" cy="9144000"/>
@@ -164,7 +163,7 @@
   </p:defaultTextStyle>
   <p:extLst>
     <p:ext uri="{EFAFB233-063F-42B5-8137-9DF3F51BA10A}">
-      <p15:sldGuideLst xmlns:p15="http://schemas.microsoft.com/office/powerpoint/2012/main">
+      <p15:sldGuideLst xmlns:p15="http://schemas.microsoft.com/office/powerpoint/2012/main" xmlns="">
         <p15:guide id="1" orient="horz" pos="2160">
           <p15:clr>
             <a:srgbClr val="A4A3A4"/>
@@ -289,7 +288,7 @@
             <a:fld id="{363A4C4D-59EE-2246-8A8A-BC382FE15806}" type="datetimeFigureOut">
               <a:rPr lang="en-US"/>
               <a:pPr/>
-              <a:t>8/12/2015</a:t>
+              <a:t>12/2/2018</a:t>
             </a:fld>
             <a:endParaRPr lang="en-US"/>
           </a:p>
@@ -384,7 +383,7 @@
     </p:spTree>
     <p:extLst>
       <p:ext uri="{BB962C8B-B14F-4D97-AF65-F5344CB8AC3E}">
-        <p14:creationId xmlns:p14="http://schemas.microsoft.com/office/powerpoint/2010/main" val="854809977"/>
+        <p14:creationId xmlns:p14="http://schemas.microsoft.com/office/powerpoint/2010/main" xmlns="" val="854809977"/>
       </p:ext>
     </p:extLst>
   </p:cSld>
@@ -495,7 +494,7 @@
             <a:fld id="{74EB4956-4F27-264E-B23A-67A995E5F37F}" type="datetimeFigureOut">
               <a:rPr lang="en-US"/>
               <a:pPr/>
-              <a:t>8/12/2015</a:t>
+              <a:t>12/2/2018</a:t>
             </a:fld>
             <a:endParaRPr lang="en-US"/>
           </a:p>
@@ -684,7 +683,7 @@
     </p:spTree>
     <p:extLst>
       <p:ext uri="{BB962C8B-B14F-4D97-AF65-F5344CB8AC3E}">
-        <p14:creationId xmlns:p14="http://schemas.microsoft.com/office/powerpoint/2010/main" val="2248946852"/>
+        <p14:creationId xmlns:p14="http://schemas.microsoft.com/office/powerpoint/2010/main" xmlns="" val="2248946852"/>
       </p:ext>
     </p:extLst>
   </p:cSld>
@@ -866,7 +865,7 @@
     </p:spTree>
     <p:extLst>
       <p:ext uri="{BB962C8B-B14F-4D97-AF65-F5344CB8AC3E}">
-        <p14:creationId xmlns:p14="http://schemas.microsoft.com/office/powerpoint/2010/main" val="4125755858"/>
+        <p14:creationId xmlns:p14="http://schemas.microsoft.com/office/powerpoint/2010/main" xmlns="" val="4125755858"/>
       </p:ext>
     </p:extLst>
   </p:cSld>
@@ -927,7 +926,7 @@
     </p:spTree>
     <p:extLst>
       <p:ext uri="{BB962C8B-B14F-4D97-AF65-F5344CB8AC3E}">
-        <p14:creationId xmlns:p14="http://schemas.microsoft.com/office/powerpoint/2010/main" val="2940299647"/>
+        <p14:creationId xmlns:p14="http://schemas.microsoft.com/office/powerpoint/2010/main" xmlns="" val="2940299647"/>
       </p:ext>
     </p:extLst>
   </p:cSld>
@@ -1018,7 +1017,7 @@
     </p:spTree>
     <p:extLst>
       <p:ext uri="{BB962C8B-B14F-4D97-AF65-F5344CB8AC3E}">
-        <p14:creationId xmlns:p14="http://schemas.microsoft.com/office/powerpoint/2010/main" val="1104810335"/>
+        <p14:creationId xmlns:p14="http://schemas.microsoft.com/office/powerpoint/2010/main" xmlns="" val="1104810335"/>
       </p:ext>
     </p:extLst>
   </p:cSld>
@@ -1048,7 +1047,7 @@
     </p:spTree>
     <p:extLst>
       <p:ext uri="{BB962C8B-B14F-4D97-AF65-F5344CB8AC3E}">
-        <p14:creationId xmlns:p14="http://schemas.microsoft.com/office/powerpoint/2010/main" val="4032902634"/>
+        <p14:creationId xmlns:p14="http://schemas.microsoft.com/office/powerpoint/2010/main" xmlns="" val="4032902634"/>
       </p:ext>
     </p:extLst>
   </p:cSld>
@@ -1134,7 +1133,7 @@
           <a:blip r:embed="rId2">
             <a:extLst>
               <a:ext uri="{28A0092B-C50C-407E-A947-70E740481C1C}">
-                <a14:useLocalDpi xmlns:a14="http://schemas.microsoft.com/office/drawing/2010/main" val="0"/>
+                <a14:useLocalDpi xmlns:a14="http://schemas.microsoft.com/office/drawing/2010/main" xmlns="" val="0"/>
               </a:ext>
             </a:extLst>
           </a:blip>
@@ -1199,7 +1198,7 @@
     </p:spTree>
     <p:extLst>
       <p:ext uri="{BB962C8B-B14F-4D97-AF65-F5344CB8AC3E}">
-        <p14:creationId xmlns:p14="http://schemas.microsoft.com/office/powerpoint/2010/main" val="3007450244"/>
+        <p14:creationId xmlns:p14="http://schemas.microsoft.com/office/powerpoint/2010/main" xmlns="" val="3007450244"/>
       </p:ext>
     </p:extLst>
   </p:cSld>
@@ -1273,7 +1272,7 @@
     </p:spTree>
     <p:extLst>
       <p:ext uri="{BB962C8B-B14F-4D97-AF65-F5344CB8AC3E}">
-        <p14:creationId xmlns:p14="http://schemas.microsoft.com/office/powerpoint/2010/main" val="2062897114"/>
+        <p14:creationId xmlns:p14="http://schemas.microsoft.com/office/powerpoint/2010/main" xmlns="" val="2062897114"/>
       </p:ext>
     </p:extLst>
   </p:cSld>
@@ -1303,7 +1302,7 @@
     </p:spTree>
     <p:extLst>
       <p:ext uri="{BB962C8B-B14F-4D97-AF65-F5344CB8AC3E}">
-        <p14:creationId xmlns:p14="http://schemas.microsoft.com/office/powerpoint/2010/main" val="3154727345"/>
+        <p14:creationId xmlns:p14="http://schemas.microsoft.com/office/powerpoint/2010/main" xmlns="" val="3154727345"/>
       </p:ext>
     </p:extLst>
   </p:cSld>
@@ -1436,7 +1435,7 @@
           <a:blip r:embed="rId2">
             <a:extLst>
               <a:ext uri="{28A0092B-C50C-407E-A947-70E740481C1C}">
-                <a14:useLocalDpi xmlns:a14="http://schemas.microsoft.com/office/drawing/2010/main" val="0"/>
+                <a14:useLocalDpi xmlns:a14="http://schemas.microsoft.com/office/drawing/2010/main" xmlns="" val="0"/>
               </a:ext>
             </a:extLst>
           </a:blip>
@@ -1542,7 +1541,7 @@
     </p:spTree>
     <p:extLst>
       <p:ext uri="{BB962C8B-B14F-4D97-AF65-F5344CB8AC3E}">
-        <p14:creationId xmlns:p14="http://schemas.microsoft.com/office/powerpoint/2010/main" val="3849848588"/>
+        <p14:creationId xmlns:p14="http://schemas.microsoft.com/office/powerpoint/2010/main" xmlns="" val="3849848588"/>
       </p:ext>
     </p:extLst>
   </p:cSld>
@@ -1641,7 +1640,7 @@
     </p:spTree>
     <p:extLst>
       <p:ext uri="{BB962C8B-B14F-4D97-AF65-F5344CB8AC3E}">
-        <p14:creationId xmlns:p14="http://schemas.microsoft.com/office/powerpoint/2010/main" val="3981101098"/>
+        <p14:creationId xmlns:p14="http://schemas.microsoft.com/office/powerpoint/2010/main" xmlns="" val="3981101098"/>
       </p:ext>
     </p:extLst>
   </p:cSld>
@@ -1853,7 +1852,7 @@
           <a:blip r:embed="rId2">
             <a:extLst>
               <a:ext uri="{28A0092B-C50C-407E-A947-70E740481C1C}">
-                <a14:useLocalDpi xmlns:a14="http://schemas.microsoft.com/office/drawing/2010/main" val="0"/>
+                <a14:useLocalDpi xmlns:a14="http://schemas.microsoft.com/office/drawing/2010/main" xmlns="" val="0"/>
               </a:ext>
             </a:extLst>
           </a:blip>
@@ -1874,7 +1873,7 @@
     </p:spTree>
     <p:extLst>
       <p:ext uri="{BB962C8B-B14F-4D97-AF65-F5344CB8AC3E}">
-        <p14:creationId xmlns:p14="http://schemas.microsoft.com/office/powerpoint/2010/main" val="1362952649"/>
+        <p14:creationId xmlns:p14="http://schemas.microsoft.com/office/powerpoint/2010/main" xmlns="" val="1362952649"/>
       </p:ext>
     </p:extLst>
   </p:cSld>
@@ -2162,7 +2161,7 @@
     </p:spTree>
     <p:extLst>
       <p:ext uri="{BB962C8B-B14F-4D97-AF65-F5344CB8AC3E}">
-        <p14:creationId xmlns:p14="http://schemas.microsoft.com/office/powerpoint/2010/main" val="4057680718"/>
+        <p14:creationId xmlns:p14="http://schemas.microsoft.com/office/powerpoint/2010/main" xmlns="" val="4057680718"/>
       </p:ext>
     </p:extLst>
   </p:cSld>
@@ -2365,7 +2364,7 @@
     </p:spTree>
     <p:extLst>
       <p:ext uri="{BB962C8B-B14F-4D97-AF65-F5344CB8AC3E}">
-        <p14:creationId xmlns:p14="http://schemas.microsoft.com/office/powerpoint/2010/main" val="1777491088"/>
+        <p14:creationId xmlns:p14="http://schemas.microsoft.com/office/powerpoint/2010/main" xmlns="" val="1777491088"/>
       </p:ext>
     </p:extLst>
   </p:cSld>
@@ -2644,7 +2643,7 @@
     </p:spTree>
     <p:extLst>
       <p:ext uri="{BB962C8B-B14F-4D97-AF65-F5344CB8AC3E}">
-        <p14:creationId xmlns:p14="http://schemas.microsoft.com/office/powerpoint/2010/main" val="2140090503"/>
+        <p14:creationId xmlns:p14="http://schemas.microsoft.com/office/powerpoint/2010/main" xmlns="" val="2140090503"/>
       </p:ext>
     </p:extLst>
   </p:cSld>
@@ -2705,7 +2704,7 @@
     </p:spTree>
     <p:extLst>
       <p:ext uri="{BB962C8B-B14F-4D97-AF65-F5344CB8AC3E}">
-        <p14:creationId xmlns:p14="http://schemas.microsoft.com/office/powerpoint/2010/main" val="646295029"/>
+        <p14:creationId xmlns:p14="http://schemas.microsoft.com/office/powerpoint/2010/main" xmlns="" val="646295029"/>
       </p:ext>
     </p:extLst>
   </p:cSld>
@@ -3026,7 +3025,7 @@
     </p:spTree>
     <p:extLst>
       <p:ext uri="{BB962C8B-B14F-4D97-AF65-F5344CB8AC3E}">
-        <p14:creationId xmlns:p14="http://schemas.microsoft.com/office/powerpoint/2010/main" val="2379528955"/>
+        <p14:creationId xmlns:p14="http://schemas.microsoft.com/office/powerpoint/2010/main" xmlns="" val="2379528955"/>
       </p:ext>
     </p:extLst>
   </p:cSld>
@@ -3493,7 +3492,7 @@
     </p:spTree>
     <p:extLst>
       <p:ext uri="{BB962C8B-B14F-4D97-AF65-F5344CB8AC3E}">
-        <p14:creationId xmlns:p14="http://schemas.microsoft.com/office/powerpoint/2010/main" val="138225237"/>
+        <p14:creationId xmlns:p14="http://schemas.microsoft.com/office/powerpoint/2010/main" xmlns="" val="138225237"/>
       </p:ext>
     </p:extLst>
   </p:cSld>
@@ -3644,7 +3643,7 @@
     </p:spTree>
     <p:extLst>
       <p:ext uri="{BB962C8B-B14F-4D97-AF65-F5344CB8AC3E}">
-        <p14:creationId xmlns:p14="http://schemas.microsoft.com/office/powerpoint/2010/main" val="1167574683"/>
+        <p14:creationId xmlns:p14="http://schemas.microsoft.com/office/powerpoint/2010/main" xmlns="" val="1167574683"/>
       </p:ext>
     </p:extLst>
   </p:cSld>
@@ -3772,7 +3771,7 @@
     </p:spTree>
     <p:extLst>
       <p:ext uri="{BB962C8B-B14F-4D97-AF65-F5344CB8AC3E}">
-        <p14:creationId xmlns:p14="http://schemas.microsoft.com/office/powerpoint/2010/main" val="2934307910"/>
+        <p14:creationId xmlns:p14="http://schemas.microsoft.com/office/powerpoint/2010/main" xmlns="" val="2934307910"/>
       </p:ext>
     </p:extLst>
   </p:cSld>
@@ -4056,7 +4055,7 @@
     </p:spTree>
     <p:extLst>
       <p:ext uri="{BB962C8B-B14F-4D97-AF65-F5344CB8AC3E}">
-        <p14:creationId xmlns:p14="http://schemas.microsoft.com/office/powerpoint/2010/main" val="2440437701"/>
+        <p14:creationId xmlns:p14="http://schemas.microsoft.com/office/powerpoint/2010/main" xmlns="" val="2440437701"/>
       </p:ext>
     </p:extLst>
   </p:cSld>
@@ -4358,7 +4357,7 @@
     </p:spTree>
     <p:extLst>
       <p:ext uri="{BB962C8B-B14F-4D97-AF65-F5344CB8AC3E}">
-        <p14:creationId xmlns:p14="http://schemas.microsoft.com/office/powerpoint/2010/main" val="441703893"/>
+        <p14:creationId xmlns:p14="http://schemas.microsoft.com/office/powerpoint/2010/main" xmlns="" val="441703893"/>
       </p:ext>
     </p:extLst>
   </p:cSld>
@@ -4561,7 +4560,7 @@
     </p:spTree>
     <p:extLst>
       <p:ext uri="{BB962C8B-B14F-4D97-AF65-F5344CB8AC3E}">
-        <p14:creationId xmlns:p14="http://schemas.microsoft.com/office/powerpoint/2010/main" val="3387397092"/>
+        <p14:creationId xmlns:p14="http://schemas.microsoft.com/office/powerpoint/2010/main" xmlns="" val="3387397092"/>
       </p:ext>
     </p:extLst>
   </p:cSld>
@@ -4774,7 +4773,7 @@
     </p:spTree>
     <p:extLst>
       <p:ext uri="{BB962C8B-B14F-4D97-AF65-F5344CB8AC3E}">
-        <p14:creationId xmlns:p14="http://schemas.microsoft.com/office/powerpoint/2010/main" val="2480433108"/>
+        <p14:creationId xmlns:p14="http://schemas.microsoft.com/office/powerpoint/2010/main" xmlns="" val="2480433108"/>
       </p:ext>
     </p:extLst>
   </p:cSld>
@@ -4904,7 +4903,7 @@
           <a:blip r:embed="rId2">
             <a:extLst>
               <a:ext uri="{28A0092B-C50C-407E-A947-70E740481C1C}">
-                <a14:useLocalDpi xmlns:a14="http://schemas.microsoft.com/office/drawing/2010/main" val="0"/>
+                <a14:useLocalDpi xmlns:a14="http://schemas.microsoft.com/office/drawing/2010/main" xmlns="" val="0"/>
               </a:ext>
             </a:extLst>
           </a:blip>
@@ -5010,7 +5009,7 @@
     </p:spTree>
     <p:extLst>
       <p:ext uri="{BB962C8B-B14F-4D97-AF65-F5344CB8AC3E}">
-        <p14:creationId xmlns:p14="http://schemas.microsoft.com/office/powerpoint/2010/main" val="2727688691"/>
+        <p14:creationId xmlns:p14="http://schemas.microsoft.com/office/powerpoint/2010/main" xmlns="" val="2727688691"/>
       </p:ext>
     </p:extLst>
   </p:cSld>
@@ -5084,7 +5083,7 @@
     </p:spTree>
     <p:extLst>
       <p:ext uri="{BB962C8B-B14F-4D97-AF65-F5344CB8AC3E}">
-        <p14:creationId xmlns:p14="http://schemas.microsoft.com/office/powerpoint/2010/main" val="2488184234"/>
+        <p14:creationId xmlns:p14="http://schemas.microsoft.com/office/powerpoint/2010/main" xmlns="" val="2488184234"/>
       </p:ext>
     </p:extLst>
   </p:cSld>
@@ -5175,7 +5174,7 @@
     </p:spTree>
     <p:extLst>
       <p:ext uri="{BB962C8B-B14F-4D97-AF65-F5344CB8AC3E}">
-        <p14:creationId xmlns:p14="http://schemas.microsoft.com/office/powerpoint/2010/main" val="3164487205"/>
+        <p14:creationId xmlns:p14="http://schemas.microsoft.com/office/powerpoint/2010/main" xmlns="" val="3164487205"/>
       </p:ext>
     </p:extLst>
   </p:cSld>
@@ -5236,7 +5235,7 @@
     </p:spTree>
     <p:extLst>
       <p:ext uri="{BB962C8B-B14F-4D97-AF65-F5344CB8AC3E}">
-        <p14:creationId xmlns:p14="http://schemas.microsoft.com/office/powerpoint/2010/main" val="773578546"/>
+        <p14:creationId xmlns:p14="http://schemas.microsoft.com/office/powerpoint/2010/main" xmlns="" val="773578546"/>
       </p:ext>
     </p:extLst>
   </p:cSld>
@@ -5311,7 +5310,7 @@
     </p:spTree>
     <p:extLst>
       <p:ext uri="{BB962C8B-B14F-4D97-AF65-F5344CB8AC3E}">
-        <p14:creationId xmlns:p14="http://schemas.microsoft.com/office/powerpoint/2010/main" val="2183272591"/>
+        <p14:creationId xmlns:p14="http://schemas.microsoft.com/office/powerpoint/2010/main" xmlns="" val="2183272591"/>
       </p:ext>
     </p:extLst>
   </p:cSld>
@@ -5385,7 +5384,7 @@
     </p:spTree>
     <p:extLst>
       <p:ext uri="{BB962C8B-B14F-4D97-AF65-F5344CB8AC3E}">
-        <p14:creationId xmlns:p14="http://schemas.microsoft.com/office/powerpoint/2010/main" val="3617921409"/>
+        <p14:creationId xmlns:p14="http://schemas.microsoft.com/office/powerpoint/2010/main" xmlns="" val="3617921409"/>
       </p:ext>
     </p:extLst>
   </p:cSld>
@@ -5446,7 +5445,7 @@
     </p:spTree>
     <p:extLst>
       <p:ext uri="{BB962C8B-B14F-4D97-AF65-F5344CB8AC3E}">
-        <p14:creationId xmlns:p14="http://schemas.microsoft.com/office/powerpoint/2010/main" val="275284788"/>
+        <p14:creationId xmlns:p14="http://schemas.microsoft.com/office/powerpoint/2010/main" xmlns="" val="275284788"/>
       </p:ext>
     </p:extLst>
   </p:cSld>
@@ -5502,14 +5501,14 @@
           </a:ln>
           <a:extLst>
             <a:ext uri="{909E8E84-426E-40DD-AFC4-6F175D3DCCD1}">
-              <a14:hiddenFill xmlns:a14="http://schemas.microsoft.com/office/drawing/2010/main">
+              <a14:hiddenFill xmlns:a14="http://schemas.microsoft.com/office/drawing/2010/main" xmlns="">
                 <a:solidFill>
                   <a:srgbClr val="FFFFFF"/>
                 </a:solidFill>
               </a14:hiddenFill>
             </a:ext>
             <a:ext uri="{91240B29-F687-4F45-9708-019B960494DF}">
-              <a14:hiddenLine xmlns:a14="http://schemas.microsoft.com/office/drawing/2010/main" w="9525">
+              <a14:hiddenLine xmlns:a14="http://schemas.microsoft.com/office/drawing/2010/main" xmlns="" w="9525">
                 <a:solidFill>
                   <a:srgbClr val="000000"/>
                 </a:solidFill>
@@ -5519,7 +5518,7 @@
               </a14:hiddenLine>
             </a:ext>
             <a:ext uri="{FAA26D3D-D897-4be2-8F04-BA451C77F1D7}">
-              <ma14:placeholderFlag xmlns="" xmlns:ma14="http://schemas.microsoft.com/office/mac/drawingml/2011/main" val="1"/>
+              <ma14:placeholderFlag xmlns:ma14="http://schemas.microsoft.com/office/mac/drawingml/2011/main" xmlns="" val="1"/>
             </a:ext>
           </a:extLst>
         </p:spPr>
@@ -5685,14 +5684,14 @@
           </a:ln>
           <a:extLst>
             <a:ext uri="{909E8E84-426E-40DD-AFC4-6F175D3DCCD1}">
-              <a14:hiddenFill xmlns:a14="http://schemas.microsoft.com/office/drawing/2010/main">
+              <a14:hiddenFill xmlns:a14="http://schemas.microsoft.com/office/drawing/2010/main" xmlns="">
                 <a:solidFill>
                   <a:srgbClr val="FFFFFF"/>
                 </a:solidFill>
               </a14:hiddenFill>
             </a:ext>
             <a:ext uri="{91240B29-F687-4F45-9708-019B960494DF}">
-              <a14:hiddenLine xmlns:a14="http://schemas.microsoft.com/office/drawing/2010/main" w="9525">
+              <a14:hiddenLine xmlns:a14="http://schemas.microsoft.com/office/drawing/2010/main" xmlns="" w="9525">
                 <a:solidFill>
                   <a:srgbClr val="000000"/>
                 </a:solidFill>
@@ -6323,14 +6322,14 @@
           </a:ln>
           <a:extLst>
             <a:ext uri="{909E8E84-426E-40DD-AFC4-6F175D3DCCD1}">
-              <a14:hiddenFill xmlns:a14="http://schemas.microsoft.com/office/drawing/2010/main">
+              <a14:hiddenFill xmlns:a14="http://schemas.microsoft.com/office/drawing/2010/main" xmlns="">
                 <a:solidFill>
                   <a:srgbClr val="FFFFFF"/>
                 </a:solidFill>
               </a14:hiddenFill>
             </a:ext>
             <a:ext uri="{91240B29-F687-4F45-9708-019B960494DF}">
-              <a14:hiddenLine xmlns:a14="http://schemas.microsoft.com/office/drawing/2010/main" w="9525">
+              <a14:hiddenLine xmlns:a14="http://schemas.microsoft.com/office/drawing/2010/main" xmlns="" w="9525">
                 <a:solidFill>
                   <a:srgbClr val="000000"/>
                 </a:solidFill>
@@ -6340,7 +6339,7 @@
               </a14:hiddenLine>
             </a:ext>
             <a:ext uri="{FAA26D3D-D897-4be2-8F04-BA451C77F1D7}">
-              <ma14:placeholderFlag xmlns="" xmlns:ma14="http://schemas.microsoft.com/office/mac/drawingml/2011/main" val="1"/>
+              <ma14:placeholderFlag xmlns:ma14="http://schemas.microsoft.com/office/mac/drawingml/2011/main" xmlns="" val="1"/>
             </a:ext>
           </a:extLst>
         </p:spPr>
@@ -6506,14 +6505,14 @@
           </a:ln>
           <a:extLst>
             <a:ext uri="{909E8E84-426E-40DD-AFC4-6F175D3DCCD1}">
-              <a14:hiddenFill xmlns:a14="http://schemas.microsoft.com/office/drawing/2010/main">
+              <a14:hiddenFill xmlns:a14="http://schemas.microsoft.com/office/drawing/2010/main" xmlns="">
                 <a:solidFill>
                   <a:srgbClr val="FFFFFF"/>
                 </a:solidFill>
               </a14:hiddenFill>
             </a:ext>
             <a:ext uri="{91240B29-F687-4F45-9708-019B960494DF}">
-              <a14:hiddenLine xmlns:a14="http://schemas.microsoft.com/office/drawing/2010/main" w="9525">
+              <a14:hiddenLine xmlns:a14="http://schemas.microsoft.com/office/drawing/2010/main" xmlns="" w="9525">
                 <a:solidFill>
                   <a:srgbClr val="000000"/>
                 </a:solidFill>
@@ -6694,7 +6693,7 @@
     </p:spTree>
     <p:extLst>
       <p:ext uri="{BB962C8B-B14F-4D97-AF65-F5344CB8AC3E}">
-        <p14:creationId xmlns:p14="http://schemas.microsoft.com/office/powerpoint/2010/main" val="2698656889"/>
+        <p14:creationId xmlns:p14="http://schemas.microsoft.com/office/powerpoint/2010/main" xmlns="" val="2698656889"/>
       </p:ext>
     </p:extLst>
   </p:cSld>
@@ -7149,14 +7148,14 @@
           </a:ln>
           <a:extLst>
             <a:ext uri="{909E8E84-426E-40DD-AFC4-6F175D3DCCD1}">
-              <a14:hiddenFill xmlns:a14="http://schemas.microsoft.com/office/drawing/2010/main">
+              <a14:hiddenFill xmlns:a14="http://schemas.microsoft.com/office/drawing/2010/main" xmlns="">
                 <a:solidFill>
                   <a:srgbClr val="FFFFFF"/>
                 </a:solidFill>
               </a14:hiddenFill>
             </a:ext>
             <a:ext uri="{91240B29-F687-4F45-9708-019B960494DF}">
-              <a14:hiddenLine xmlns:a14="http://schemas.microsoft.com/office/drawing/2010/main" w="9525">
+              <a14:hiddenLine xmlns:a14="http://schemas.microsoft.com/office/drawing/2010/main" xmlns="" w="9525">
                 <a:solidFill>
                   <a:srgbClr val="000000"/>
                 </a:solidFill>
@@ -7166,7 +7165,7 @@
               </a14:hiddenLine>
             </a:ext>
             <a:ext uri="{FAA26D3D-D897-4be2-8F04-BA451C77F1D7}">
-              <ma14:placeholderFlag xmlns="" xmlns:ma14="http://schemas.microsoft.com/office/mac/drawingml/2011/main" val="1"/>
+              <ma14:placeholderFlag xmlns:ma14="http://schemas.microsoft.com/office/mac/drawingml/2011/main" xmlns="" val="1"/>
             </a:ext>
           </a:extLst>
         </p:spPr>
@@ -8131,14 +8130,14 @@
           </a:ln>
           <a:extLst>
             <a:ext uri="{909E8E84-426E-40DD-AFC4-6F175D3DCCD1}">
-              <a14:hiddenFill xmlns:a14="http://schemas.microsoft.com/office/drawing/2010/main">
+              <a14:hiddenFill xmlns:a14="http://schemas.microsoft.com/office/drawing/2010/main" xmlns="">
                 <a:solidFill>
                   <a:srgbClr val="FFFFFF"/>
                 </a:solidFill>
               </a14:hiddenFill>
             </a:ext>
             <a:ext uri="{91240B29-F687-4F45-9708-019B960494DF}">
-              <a14:hiddenLine xmlns:a14="http://schemas.microsoft.com/office/drawing/2010/main" w="9525">
+              <a14:hiddenLine xmlns:a14="http://schemas.microsoft.com/office/drawing/2010/main" xmlns="" w="9525">
                 <a:solidFill>
                   <a:srgbClr val="000000"/>
                 </a:solidFill>
@@ -8465,7 +8464,7 @@
     </p:spTree>
     <p:extLst>
       <p:ext uri="{BB962C8B-B14F-4D97-AF65-F5344CB8AC3E}">
-        <p14:creationId xmlns:p14="http://schemas.microsoft.com/office/powerpoint/2010/main" val="3979338191"/>
+        <p14:creationId xmlns:p14="http://schemas.microsoft.com/office/powerpoint/2010/main" xmlns="" val="3979338191"/>
       </p:ext>
     </p:extLst>
   </p:cSld>
@@ -8910,60 +8909,6 @@
           <a:chExt cx="0" cy="0"/>
         </a:xfrm>
       </p:grpSpPr>
-      <p:pic>
-        <p:nvPicPr>
-          <p:cNvPr id="2050" name="Picture 2"/>
-          <p:cNvPicPr>
-            <a:picLocks noChangeAspect="1"/>
-          </p:cNvPicPr>
-          <p:nvPr/>
-        </p:nvPicPr>
-        <p:blipFill>
-          <a:blip r:embed="rId2">
-            <a:extLst>
-              <a:ext uri="{28A0092B-C50C-407E-A947-70E740481C1C}">
-                <a14:useLocalDpi xmlns:a14="http://schemas.microsoft.com/office/drawing/2010/main" val="0"/>
-              </a:ext>
-            </a:extLst>
-          </a:blip>
-          <a:srcRect/>
-          <a:stretch>
-            <a:fillRect/>
-          </a:stretch>
-        </p:blipFill>
-        <p:spPr bwMode="auto">
-          <a:xfrm>
-            <a:off x="26988" y="5842000"/>
-            <a:ext cx="2794000" cy="1016000"/>
-          </a:xfrm>
-          <a:prstGeom prst="rect">
-            <a:avLst/>
-          </a:prstGeom>
-          <a:noFill/>
-          <a:ln>
-            <a:noFill/>
-          </a:ln>
-          <a:extLst>
-            <a:ext uri="{909E8E84-426E-40DD-AFC4-6F175D3DCCD1}">
-              <a14:hiddenFill xmlns:a14="http://schemas.microsoft.com/office/drawing/2010/main">
-                <a:solidFill>
-                  <a:srgbClr val="FFFFFF"/>
-                </a:solidFill>
-              </a14:hiddenFill>
-            </a:ext>
-            <a:ext uri="{91240B29-F687-4F45-9708-019B960494DF}">
-              <a14:hiddenLine xmlns:a14="http://schemas.microsoft.com/office/drawing/2010/main" w="9525">
-                <a:solidFill>
-                  <a:srgbClr val="000000"/>
-                </a:solidFill>
-                <a:miter lim="800000"/>
-                <a:headEnd/>
-                <a:tailEnd/>
-              </a14:hiddenLine>
-            </a:ext>
-          </a:extLst>
-        </p:spPr>
-      </p:pic>
       <p:sp>
         <p:nvSpPr>
           <p:cNvPr id="2051" name="Content Placeholder 2"/>
@@ -9009,10 +8954,10 @@
           <p:nvPr/>
         </p:nvPicPr>
         <p:blipFill>
-          <a:blip r:embed="rId3">
+          <a:blip r:embed="rId2">
             <a:extLst>
               <a:ext uri="{28A0092B-C50C-407E-A947-70E740481C1C}">
-                <a14:useLocalDpi xmlns:a14="http://schemas.microsoft.com/office/drawing/2010/main" val="0"/>
+                <a14:useLocalDpi xmlns:a14="http://schemas.microsoft.com/office/drawing/2010/main" xmlns="" val="0"/>
               </a:ext>
             </a:extLst>
           </a:blip>
@@ -9035,14 +8980,14 @@
           </a:ln>
           <a:extLst>
             <a:ext uri="{909E8E84-426E-40DD-AFC4-6F175D3DCCD1}">
-              <a14:hiddenFill xmlns:a14="http://schemas.microsoft.com/office/drawing/2010/main">
+              <a14:hiddenFill xmlns:a14="http://schemas.microsoft.com/office/drawing/2010/main" xmlns="">
                 <a:solidFill>
                   <a:srgbClr val="FFFFFF"/>
                 </a:solidFill>
               </a14:hiddenFill>
             </a:ext>
             <a:ext uri="{91240B29-F687-4F45-9708-019B960494DF}">
-              <a14:hiddenLine xmlns:a14="http://schemas.microsoft.com/office/drawing/2010/main" w="9525">
+              <a14:hiddenLine xmlns:a14="http://schemas.microsoft.com/office/drawing/2010/main" xmlns="" w="9525">
                 <a:solidFill>
                   <a:srgbClr val="000000"/>
                 </a:solidFill>
@@ -9063,10 +9008,10 @@
           <p:nvPr/>
         </p:nvPicPr>
         <p:blipFill>
-          <a:blip r:embed="rId4">
+          <a:blip r:embed="rId3">
             <a:extLst>
               <a:ext uri="{28A0092B-C50C-407E-A947-70E740481C1C}">
-                <a14:useLocalDpi xmlns:a14="http://schemas.microsoft.com/office/drawing/2010/main" val="0"/>
+                <a14:useLocalDpi xmlns:a14="http://schemas.microsoft.com/office/drawing/2010/main" xmlns="" val="0"/>
               </a:ext>
             </a:extLst>
           </a:blip>
@@ -9089,14 +9034,14 @@
           </a:ln>
           <a:extLst>
             <a:ext uri="{909E8E84-426E-40DD-AFC4-6F175D3DCCD1}">
-              <a14:hiddenFill xmlns:a14="http://schemas.microsoft.com/office/drawing/2010/main">
+              <a14:hiddenFill xmlns:a14="http://schemas.microsoft.com/office/drawing/2010/main" xmlns="">
                 <a:solidFill>
                   <a:srgbClr val="FFFFFF"/>
                 </a:solidFill>
               </a14:hiddenFill>
             </a:ext>
             <a:ext uri="{91240B29-F687-4F45-9708-019B960494DF}">
-              <a14:hiddenLine xmlns:a14="http://schemas.microsoft.com/office/drawing/2010/main" w="9525">
+              <a14:hiddenLine xmlns:a14="http://schemas.microsoft.com/office/drawing/2010/main" xmlns="" w="9525">
                 <a:solidFill>
                   <a:srgbClr val="000000"/>
                 </a:solidFill>
@@ -9111,7 +9056,7 @@
     </p:spTree>
     <p:extLst>
       <p:ext uri="{BB962C8B-B14F-4D97-AF65-F5344CB8AC3E}">
-        <p14:creationId xmlns:p14="http://schemas.microsoft.com/office/powerpoint/2010/main" val="1014835198"/>
+        <p14:creationId xmlns:p14="http://schemas.microsoft.com/office/powerpoint/2010/main" xmlns="" val="1014835198"/>
       </p:ext>
     </p:extLst>
   </p:cSld>
@@ -9157,7 +9102,7 @@
           <a:blip r:embed="rId2">
             <a:extLst>
               <a:ext uri="{28A0092B-C50C-407E-A947-70E740481C1C}">
-                <a14:useLocalDpi xmlns:a14="http://schemas.microsoft.com/office/drawing/2010/main" val="0"/>
+                <a14:useLocalDpi xmlns:a14="http://schemas.microsoft.com/office/drawing/2010/main" xmlns="" val="0"/>
               </a:ext>
             </a:extLst>
           </a:blip>
@@ -9180,14 +9125,14 @@
           </a:ln>
           <a:extLst>
             <a:ext uri="{909E8E84-426E-40DD-AFC4-6F175D3DCCD1}">
-              <a14:hiddenFill xmlns:a14="http://schemas.microsoft.com/office/drawing/2010/main">
+              <a14:hiddenFill xmlns:a14="http://schemas.microsoft.com/office/drawing/2010/main" xmlns="">
                 <a:solidFill>
                   <a:schemeClr val="accent1"/>
                 </a:solidFill>
               </a14:hiddenFill>
             </a:ext>
             <a:ext uri="{91240B29-F687-4F45-9708-019B960494DF}">
-              <a14:hiddenLine xmlns:a14="http://schemas.microsoft.com/office/drawing/2010/main" w="9525">
+              <a14:hiddenLine xmlns:a14="http://schemas.microsoft.com/office/drawing/2010/main" xmlns="" w="9525">
                 <a:solidFill>
                   <a:schemeClr val="tx1"/>
                 </a:solidFill>
@@ -9202,7 +9147,7 @@
     </p:spTree>
     <p:extLst>
       <p:ext uri="{BB962C8B-B14F-4D97-AF65-F5344CB8AC3E}">
-        <p14:creationId xmlns:p14="http://schemas.microsoft.com/office/powerpoint/2010/main" val="1220934780"/>
+        <p14:creationId xmlns:p14="http://schemas.microsoft.com/office/powerpoint/2010/main" xmlns="" val="1220934780"/>
       </p:ext>
     </p:extLst>
   </p:cSld>
@@ -9248,7 +9193,7 @@
           <a:blip r:embed="rId2">
             <a:extLst>
               <a:ext uri="{28A0092B-C50C-407E-A947-70E740481C1C}">
-                <a14:useLocalDpi xmlns:a14="http://schemas.microsoft.com/office/drawing/2010/main" val="0"/>
+                <a14:useLocalDpi xmlns:a14="http://schemas.microsoft.com/office/drawing/2010/main" xmlns="" val="0"/>
               </a:ext>
             </a:extLst>
           </a:blip>
@@ -9271,14 +9216,14 @@
           </a:ln>
           <a:extLst>
             <a:ext uri="{909E8E84-426E-40DD-AFC4-6F175D3DCCD1}">
-              <a14:hiddenFill xmlns:a14="http://schemas.microsoft.com/office/drawing/2010/main">
+              <a14:hiddenFill xmlns:a14="http://schemas.microsoft.com/office/drawing/2010/main" xmlns="">
                 <a:solidFill>
                   <a:schemeClr val="accent1"/>
                 </a:solidFill>
               </a14:hiddenFill>
             </a:ext>
             <a:ext uri="{91240B29-F687-4F45-9708-019B960494DF}">
-              <a14:hiddenLine xmlns:a14="http://schemas.microsoft.com/office/drawing/2010/main" w="9525">
+              <a14:hiddenLine xmlns:a14="http://schemas.microsoft.com/office/drawing/2010/main" xmlns="" w="9525">
                 <a:solidFill>
                   <a:schemeClr val="tx1"/>
                 </a:solidFill>
@@ -9293,7 +9238,7 @@
     </p:spTree>
     <p:extLst>
       <p:ext uri="{BB962C8B-B14F-4D97-AF65-F5344CB8AC3E}">
-        <p14:creationId xmlns:p14="http://schemas.microsoft.com/office/powerpoint/2010/main" val="417098769"/>
+        <p14:creationId xmlns:p14="http://schemas.microsoft.com/office/powerpoint/2010/main" xmlns="" val="417098769"/>
       </p:ext>
     </p:extLst>
   </p:cSld>
@@ -9339,7 +9284,7 @@
           <a:blip r:embed="rId2">
             <a:extLst>
               <a:ext uri="{28A0092B-C50C-407E-A947-70E740481C1C}">
-                <a14:useLocalDpi xmlns:a14="http://schemas.microsoft.com/office/drawing/2010/main" val="0"/>
+                <a14:useLocalDpi xmlns:a14="http://schemas.microsoft.com/office/drawing/2010/main" xmlns="" val="0"/>
               </a:ext>
             </a:extLst>
           </a:blip>
@@ -9362,14 +9307,14 @@
           </a:ln>
           <a:extLst>
             <a:ext uri="{909E8E84-426E-40DD-AFC4-6F175D3DCCD1}">
-              <a14:hiddenFill xmlns:a14="http://schemas.microsoft.com/office/drawing/2010/main">
+              <a14:hiddenFill xmlns:a14="http://schemas.microsoft.com/office/drawing/2010/main" xmlns="">
                 <a:solidFill>
                   <a:schemeClr val="accent1"/>
                 </a:solidFill>
               </a14:hiddenFill>
             </a:ext>
             <a:ext uri="{91240B29-F687-4F45-9708-019B960494DF}">
-              <a14:hiddenLine xmlns:a14="http://schemas.microsoft.com/office/drawing/2010/main" w="9525">
+              <a14:hiddenLine xmlns:a14="http://schemas.microsoft.com/office/drawing/2010/main" xmlns="" w="9525">
                 <a:solidFill>
                   <a:schemeClr val="tx1"/>
                 </a:solidFill>
@@ -9406,14 +9351,14 @@
           <a:effectLst/>
           <a:extLst>
             <a:ext uri="{909E8E84-426E-40DD-AFC4-6F175D3DCCD1}">
-              <a14:hiddenFill xmlns:a14="http://schemas.microsoft.com/office/drawing/2010/main">
+              <a14:hiddenFill xmlns:a14="http://schemas.microsoft.com/office/drawing/2010/main" xmlns="">
                 <a:solidFill>
                   <a:schemeClr val="accent1"/>
                 </a:solidFill>
               </a14:hiddenFill>
             </a:ext>
             <a:ext uri="{91240B29-F687-4F45-9708-019B960494DF}">
-              <a14:hiddenLine xmlns:a14="http://schemas.microsoft.com/office/drawing/2010/main" w="9525">
+              <a14:hiddenLine xmlns:a14="http://schemas.microsoft.com/office/drawing/2010/main" xmlns="" w="9525">
                 <a:solidFill>
                   <a:schemeClr val="tx1"/>
                 </a:solidFill>
@@ -9423,7 +9368,7 @@
               </a14:hiddenLine>
             </a:ext>
             <a:ext uri="{AF507438-7753-43E0-B8FC-AC1667EBCBE1}">
-              <a14:hiddenEffects xmlns:a14="http://schemas.microsoft.com/office/drawing/2010/main">
+              <a14:hiddenEffects xmlns:a14="http://schemas.microsoft.com/office/drawing/2010/main" xmlns="">
                 <a:effectLst>
                   <a:outerShdw dist="35921" dir="2700000" algn="ctr" rotWithShape="0">
                     <a:schemeClr val="bg2"/>
@@ -9925,7 +9870,7 @@
     </p:spTree>
     <p:extLst>
       <p:ext uri="{BB962C8B-B14F-4D97-AF65-F5344CB8AC3E}">
-        <p14:creationId xmlns:p14="http://schemas.microsoft.com/office/powerpoint/2010/main" val="3539682990"/>
+        <p14:creationId xmlns:p14="http://schemas.microsoft.com/office/powerpoint/2010/main" xmlns="" val="3539682990"/>
       </p:ext>
     </p:extLst>
   </p:cSld>
@@ -9971,7 +9916,7 @@
           <a:blip r:embed="rId2">
             <a:extLst>
               <a:ext uri="{28A0092B-C50C-407E-A947-70E740481C1C}">
-                <a14:useLocalDpi xmlns:a14="http://schemas.microsoft.com/office/drawing/2010/main" val="0"/>
+                <a14:useLocalDpi xmlns:a14="http://schemas.microsoft.com/office/drawing/2010/main" xmlns="" val="0"/>
               </a:ext>
             </a:extLst>
           </a:blip>
@@ -9994,14 +9939,14 @@
           </a:ln>
           <a:extLst>
             <a:ext uri="{909E8E84-426E-40DD-AFC4-6F175D3DCCD1}">
-              <a14:hiddenFill xmlns:a14="http://schemas.microsoft.com/office/drawing/2010/main">
+              <a14:hiddenFill xmlns:a14="http://schemas.microsoft.com/office/drawing/2010/main" xmlns="">
                 <a:solidFill>
                   <a:schemeClr val="accent1"/>
                 </a:solidFill>
               </a14:hiddenFill>
             </a:ext>
             <a:ext uri="{91240B29-F687-4F45-9708-019B960494DF}">
-              <a14:hiddenLine xmlns:a14="http://schemas.microsoft.com/office/drawing/2010/main" w="9525">
+              <a14:hiddenLine xmlns:a14="http://schemas.microsoft.com/office/drawing/2010/main" xmlns="" w="9525">
                 <a:solidFill>
                   <a:schemeClr val="tx1"/>
                 </a:solidFill>
@@ -10016,7 +9961,7 @@
     </p:spTree>
     <p:extLst>
       <p:ext uri="{BB962C8B-B14F-4D97-AF65-F5344CB8AC3E}">
-        <p14:creationId xmlns:p14="http://schemas.microsoft.com/office/powerpoint/2010/main" val="1820252929"/>
+        <p14:creationId xmlns:p14="http://schemas.microsoft.com/office/powerpoint/2010/main" xmlns="" val="1820252929"/>
       </p:ext>
     </p:extLst>
   </p:cSld>
@@ -10062,7 +10007,7 @@
           <a:blip r:embed="rId2">
             <a:extLst>
               <a:ext uri="{28A0092B-C50C-407E-A947-70E740481C1C}">
-                <a14:useLocalDpi xmlns:a14="http://schemas.microsoft.com/office/drawing/2010/main" val="0"/>
+                <a14:useLocalDpi xmlns:a14="http://schemas.microsoft.com/office/drawing/2010/main" xmlns="" val="0"/>
               </a:ext>
             </a:extLst>
           </a:blip>
@@ -10085,14 +10030,14 @@
           </a:ln>
           <a:extLst>
             <a:ext uri="{909E8E84-426E-40DD-AFC4-6F175D3DCCD1}">
-              <a14:hiddenFill xmlns:a14="http://schemas.microsoft.com/office/drawing/2010/main">
+              <a14:hiddenFill xmlns:a14="http://schemas.microsoft.com/office/drawing/2010/main" xmlns="">
                 <a:solidFill>
                   <a:schemeClr val="accent1"/>
                 </a:solidFill>
               </a14:hiddenFill>
             </a:ext>
             <a:ext uri="{91240B29-F687-4F45-9708-019B960494DF}">
-              <a14:hiddenLine xmlns:a14="http://schemas.microsoft.com/office/drawing/2010/main" w="9525">
+              <a14:hiddenLine xmlns:a14="http://schemas.microsoft.com/office/drawing/2010/main" xmlns="" w="9525">
                 <a:solidFill>
                   <a:schemeClr val="tx1"/>
                 </a:solidFill>
@@ -10107,7 +10052,7 @@
     </p:spTree>
     <p:extLst>
       <p:ext uri="{BB962C8B-B14F-4D97-AF65-F5344CB8AC3E}">
-        <p14:creationId xmlns:p14="http://schemas.microsoft.com/office/powerpoint/2010/main" val="2646723967"/>
+        <p14:creationId xmlns:p14="http://schemas.microsoft.com/office/powerpoint/2010/main" xmlns="" val="2646723967"/>
       </p:ext>
     </p:extLst>
   </p:cSld>
@@ -10153,7 +10098,7 @@
           <a:blip r:embed="rId2">
             <a:extLst>
               <a:ext uri="{28A0092B-C50C-407E-A947-70E740481C1C}">
-                <a14:useLocalDpi xmlns:a14="http://schemas.microsoft.com/office/drawing/2010/main" val="0"/>
+                <a14:useLocalDpi xmlns:a14="http://schemas.microsoft.com/office/drawing/2010/main" xmlns="" val="0"/>
               </a:ext>
             </a:extLst>
           </a:blip>
@@ -10176,14 +10121,14 @@
           </a:ln>
           <a:extLst>
             <a:ext uri="{909E8E84-426E-40DD-AFC4-6F175D3DCCD1}">
-              <a14:hiddenFill xmlns:a14="http://schemas.microsoft.com/office/drawing/2010/main">
+              <a14:hiddenFill xmlns:a14="http://schemas.microsoft.com/office/drawing/2010/main" xmlns="">
                 <a:solidFill>
                   <a:schemeClr val="accent1"/>
                 </a:solidFill>
               </a14:hiddenFill>
             </a:ext>
             <a:ext uri="{91240B29-F687-4F45-9708-019B960494DF}">
-              <a14:hiddenLine xmlns:a14="http://schemas.microsoft.com/office/drawing/2010/main" w="9525">
+              <a14:hiddenLine xmlns:a14="http://schemas.microsoft.com/office/drawing/2010/main" xmlns="" w="9525">
                 <a:solidFill>
                   <a:schemeClr val="tx1"/>
                 </a:solidFill>
@@ -10198,7 +10143,7 @@
     </p:spTree>
     <p:extLst>
       <p:ext uri="{BB962C8B-B14F-4D97-AF65-F5344CB8AC3E}">
-        <p14:creationId xmlns:p14="http://schemas.microsoft.com/office/powerpoint/2010/main" val="1669961208"/>
+        <p14:creationId xmlns:p14="http://schemas.microsoft.com/office/powerpoint/2010/main" xmlns="" val="1669961208"/>
       </p:ext>
     </p:extLst>
   </p:cSld>
@@ -10244,7 +10189,7 @@
           <a:blip r:embed="rId2">
             <a:extLst>
               <a:ext uri="{28A0092B-C50C-407E-A947-70E740481C1C}">
-                <a14:useLocalDpi xmlns:a14="http://schemas.microsoft.com/office/drawing/2010/main" val="0"/>
+                <a14:useLocalDpi xmlns:a14="http://schemas.microsoft.com/office/drawing/2010/main" xmlns="" val="0"/>
               </a:ext>
             </a:extLst>
           </a:blip>
@@ -10267,14 +10212,14 @@
           </a:ln>
           <a:extLst>
             <a:ext uri="{909E8E84-426E-40DD-AFC4-6F175D3DCCD1}">
-              <a14:hiddenFill xmlns:a14="http://schemas.microsoft.com/office/drawing/2010/main">
+              <a14:hiddenFill xmlns:a14="http://schemas.microsoft.com/office/drawing/2010/main" xmlns="">
                 <a:solidFill>
                   <a:schemeClr val="accent1"/>
                 </a:solidFill>
               </a14:hiddenFill>
             </a:ext>
             <a:ext uri="{91240B29-F687-4F45-9708-019B960494DF}">
-              <a14:hiddenLine xmlns:a14="http://schemas.microsoft.com/office/drawing/2010/main" w="9525">
+              <a14:hiddenLine xmlns:a14="http://schemas.microsoft.com/office/drawing/2010/main" xmlns="" w="9525">
                 <a:solidFill>
                   <a:schemeClr val="tx1"/>
                 </a:solidFill>
@@ -10289,7 +10234,7 @@
     </p:spTree>
     <p:extLst>
       <p:ext uri="{BB962C8B-B14F-4D97-AF65-F5344CB8AC3E}">
-        <p14:creationId xmlns:p14="http://schemas.microsoft.com/office/powerpoint/2010/main" val="2043537290"/>
+        <p14:creationId xmlns:p14="http://schemas.microsoft.com/office/powerpoint/2010/main" xmlns="" val="2043537290"/>
       </p:ext>
     </p:extLst>
   </p:cSld>
@@ -10335,7 +10280,7 @@
           <a:blip r:embed="rId2">
             <a:extLst>
               <a:ext uri="{28A0092B-C50C-407E-A947-70E740481C1C}">
-                <a14:useLocalDpi xmlns:a14="http://schemas.microsoft.com/office/drawing/2010/main" val="0"/>
+                <a14:useLocalDpi xmlns:a14="http://schemas.microsoft.com/office/drawing/2010/main" xmlns="" val="0"/>
               </a:ext>
             </a:extLst>
           </a:blip>
@@ -10358,14 +10303,14 @@
           </a:ln>
           <a:extLst>
             <a:ext uri="{909E8E84-426E-40DD-AFC4-6F175D3DCCD1}">
-              <a14:hiddenFill xmlns:a14="http://schemas.microsoft.com/office/drawing/2010/main">
+              <a14:hiddenFill xmlns:a14="http://schemas.microsoft.com/office/drawing/2010/main" xmlns="">
                 <a:solidFill>
                   <a:schemeClr val="accent1"/>
                 </a:solidFill>
               </a14:hiddenFill>
             </a:ext>
             <a:ext uri="{91240B29-F687-4F45-9708-019B960494DF}">
-              <a14:hiddenLine xmlns:a14="http://schemas.microsoft.com/office/drawing/2010/main" w="9525">
+              <a14:hiddenLine xmlns:a14="http://schemas.microsoft.com/office/drawing/2010/main" xmlns="" w="9525">
                 <a:solidFill>
                   <a:schemeClr val="tx1"/>
                 </a:solidFill>
@@ -10380,7 +10325,7 @@
     </p:spTree>
     <p:extLst>
       <p:ext uri="{BB962C8B-B14F-4D97-AF65-F5344CB8AC3E}">
-        <p14:creationId xmlns:p14="http://schemas.microsoft.com/office/powerpoint/2010/main" val="35956441"/>
+        <p14:creationId xmlns:p14="http://schemas.microsoft.com/office/powerpoint/2010/main" xmlns="" val="35956441"/>
       </p:ext>
     </p:extLst>
   </p:cSld>
@@ -10414,60 +10359,6 @@
           <a:chExt cx="0" cy="0"/>
         </a:xfrm>
       </p:grpSpPr>
-      <p:pic>
-        <p:nvPicPr>
-          <p:cNvPr id="16386" name="Picture 2"/>
-          <p:cNvPicPr>
-            <a:picLocks noChangeAspect="1"/>
-          </p:cNvPicPr>
-          <p:nvPr/>
-        </p:nvPicPr>
-        <p:blipFill>
-          <a:blip r:embed="rId2">
-            <a:extLst>
-              <a:ext uri="{28A0092B-C50C-407E-A947-70E740481C1C}">
-                <a14:useLocalDpi xmlns:a14="http://schemas.microsoft.com/office/drawing/2010/main" val="0"/>
-              </a:ext>
-            </a:extLst>
-          </a:blip>
-          <a:srcRect/>
-          <a:stretch>
-            <a:fillRect/>
-          </a:stretch>
-        </p:blipFill>
-        <p:spPr bwMode="auto">
-          <a:xfrm>
-            <a:off x="26988" y="5842000"/>
-            <a:ext cx="2794000" cy="1016000"/>
-          </a:xfrm>
-          <a:prstGeom prst="rect">
-            <a:avLst/>
-          </a:prstGeom>
-          <a:noFill/>
-          <a:ln>
-            <a:noFill/>
-          </a:ln>
-          <a:extLst>
-            <a:ext uri="{909E8E84-426E-40DD-AFC4-6F175D3DCCD1}">
-              <a14:hiddenFill xmlns:a14="http://schemas.microsoft.com/office/drawing/2010/main">
-                <a:solidFill>
-                  <a:srgbClr val="FFFFFF"/>
-                </a:solidFill>
-              </a14:hiddenFill>
-            </a:ext>
-            <a:ext uri="{91240B29-F687-4F45-9708-019B960494DF}">
-              <a14:hiddenLine xmlns:a14="http://schemas.microsoft.com/office/drawing/2010/main" w="9525">
-                <a:solidFill>
-                  <a:srgbClr val="000000"/>
-                </a:solidFill>
-                <a:miter lim="800000"/>
-                <a:headEnd/>
-                <a:tailEnd/>
-              </a14:hiddenLine>
-            </a:ext>
-          </a:extLst>
-        </p:spPr>
-      </p:pic>
       <p:sp>
         <p:nvSpPr>
           <p:cNvPr id="16387" name="Content Placeholder 2"/>
@@ -10525,10 +10416,10 @@
           <p:nvPr/>
         </p:nvPicPr>
         <p:blipFill>
-          <a:blip r:embed="rId3">
+          <a:blip r:embed="rId2">
             <a:extLst>
               <a:ext uri="{28A0092B-C50C-407E-A947-70E740481C1C}">
-                <a14:useLocalDpi xmlns:a14="http://schemas.microsoft.com/office/drawing/2010/main" val="0"/>
+                <a14:useLocalDpi xmlns:a14="http://schemas.microsoft.com/office/drawing/2010/main" xmlns="" val="0"/>
               </a:ext>
             </a:extLst>
           </a:blip>
@@ -10551,14 +10442,14 @@
           </a:ln>
           <a:extLst>
             <a:ext uri="{909E8E84-426E-40DD-AFC4-6F175D3DCCD1}">
-              <a14:hiddenFill xmlns:a14="http://schemas.microsoft.com/office/drawing/2010/main">
+              <a14:hiddenFill xmlns:a14="http://schemas.microsoft.com/office/drawing/2010/main" xmlns="">
                 <a:solidFill>
                   <a:srgbClr val="FFFFFF"/>
                 </a:solidFill>
               </a14:hiddenFill>
             </a:ext>
             <a:ext uri="{91240B29-F687-4F45-9708-019B960494DF}">
-              <a14:hiddenLine xmlns:a14="http://schemas.microsoft.com/office/drawing/2010/main" w="9525">
+              <a14:hiddenLine xmlns:a14="http://schemas.microsoft.com/office/drawing/2010/main" xmlns="" w="9525">
                 <a:solidFill>
                   <a:srgbClr val="000000"/>
                 </a:solidFill>
@@ -10573,151 +10464,7 @@
     </p:spTree>
     <p:extLst>
       <p:ext uri="{BB962C8B-B14F-4D97-AF65-F5344CB8AC3E}">
-        <p14:creationId xmlns:p14="http://schemas.microsoft.com/office/powerpoint/2010/main" val="1647345398"/>
-      </p:ext>
-    </p:extLst>
-  </p:cSld>
-  <p:clrMapOvr>
-    <a:masterClrMapping/>
-  </p:clrMapOvr>
-  <p:timing>
-    <p:tnLst>
-      <p:par>
-        <p:cTn id="1" dur="indefinite" restart="never" nodeType="tmRoot"/>
-      </p:par>
-    </p:tnLst>
-  </p:timing>
-</p:sld>
-</file>
-
-<file path=ppt/slides/slide19.xml><?xml version="1.0" encoding="utf-8"?>
-<p:sld xmlns:a="http://schemas.openxmlformats.org/drawingml/2006/main" xmlns:r="http://schemas.openxmlformats.org/officeDocument/2006/relationships" xmlns:p="http://schemas.openxmlformats.org/presentationml/2006/main">
-  <p:cSld>
-    <p:spTree>
-      <p:nvGrpSpPr>
-        <p:cNvPr id="1" name=""/>
-        <p:cNvGrpSpPr/>
-        <p:nvPr/>
-      </p:nvGrpSpPr>
-      <p:grpSpPr>
-        <a:xfrm>
-          <a:off x="0" y="0"/>
-          <a:ext cx="0" cy="0"/>
-          <a:chOff x="0" y="0"/>
-          <a:chExt cx="0" cy="0"/>
-        </a:xfrm>
-      </p:grpSpPr>
-      <p:sp>
-        <p:nvSpPr>
-          <p:cNvPr id="36868" name="Rectangle 4"/>
-          <p:cNvSpPr>
-            <a:spLocks noGrp="1" noChangeArrowheads="1"/>
-          </p:cNvSpPr>
-          <p:nvPr>
-            <p:ph type="title"/>
-          </p:nvPr>
-        </p:nvSpPr>
-        <p:spPr bwMode="auto">
-          <a:xfrm>
-            <a:off x="468313" y="2924175"/>
-            <a:ext cx="7620000" cy="1143000"/>
-          </a:xfrm>
-          <a:extLst>
-            <a:ext uri="{909E8E84-426E-40DD-AFC4-6F175D3DCCD1}">
-              <a14:hiddenFill xmlns:a14="http://schemas.microsoft.com/office/drawing/2010/main">
-                <a:solidFill>
-                  <a:srgbClr val="FFFFFF"/>
-                </a:solidFill>
-              </a14:hiddenFill>
-            </a:ext>
-            <a:ext uri="{91240B29-F687-4F45-9708-019B960494DF}">
-              <a14:hiddenLine xmlns:a14="http://schemas.microsoft.com/office/drawing/2010/main" w="9525">
-                <a:solidFill>
-                  <a:srgbClr val="000000"/>
-                </a:solidFill>
-                <a:miter lim="800000"/>
-                <a:headEnd/>
-                <a:tailEnd/>
-              </a14:hiddenLine>
-            </a:ext>
-          </a:extLst>
-        </p:spPr>
-        <p:txBody>
-          <a:bodyPr wrap="square" numCol="1" anchorCtr="0" compatLnSpc="1">
-            <a:prstTxWarp prst="textNoShape">
-              <a:avLst/>
-            </a:prstTxWarp>
-          </a:bodyPr>
-          <a:lstStyle/>
-          <a:p>
-            <a:pPr eaLnBrk="1" hangingPunct="1">
-              <a:defRPr/>
-            </a:pPr>
-            <a:r>
-              <a:rPr lang="hu-HU" smtClean="0"/>
-              <a:t>Thank you for your attention!</a:t>
-            </a:r>
-          </a:p>
-        </p:txBody>
-      </p:sp>
-      <p:pic>
-        <p:nvPicPr>
-          <p:cNvPr id="17411" name="Picture 1"/>
-          <p:cNvPicPr>
-            <a:picLocks noChangeAspect="1"/>
-          </p:cNvPicPr>
-          <p:nvPr/>
-        </p:nvPicPr>
-        <p:blipFill>
-          <a:blip r:embed="rId2">
-            <a:extLst>
-              <a:ext uri="{28A0092B-C50C-407E-A947-70E740481C1C}">
-                <a14:useLocalDpi xmlns:a14="http://schemas.microsoft.com/office/drawing/2010/main" val="0"/>
-              </a:ext>
-            </a:extLst>
-          </a:blip>
-          <a:srcRect/>
-          <a:stretch>
-            <a:fillRect/>
-          </a:stretch>
-        </p:blipFill>
-        <p:spPr bwMode="auto">
-          <a:xfrm>
-            <a:off x="9525" y="5880100"/>
-            <a:ext cx="2794000" cy="1016000"/>
-          </a:xfrm>
-          <a:prstGeom prst="rect">
-            <a:avLst/>
-          </a:prstGeom>
-          <a:noFill/>
-          <a:ln>
-            <a:noFill/>
-          </a:ln>
-          <a:extLst>
-            <a:ext uri="{909E8E84-426E-40DD-AFC4-6F175D3DCCD1}">
-              <a14:hiddenFill xmlns:a14="http://schemas.microsoft.com/office/drawing/2010/main">
-                <a:solidFill>
-                  <a:srgbClr val="FFFFFF"/>
-                </a:solidFill>
-              </a14:hiddenFill>
-            </a:ext>
-            <a:ext uri="{91240B29-F687-4F45-9708-019B960494DF}">
-              <a14:hiddenLine xmlns:a14="http://schemas.microsoft.com/office/drawing/2010/main" w="9525">
-                <a:solidFill>
-                  <a:srgbClr val="000000"/>
-                </a:solidFill>
-                <a:miter lim="800000"/>
-                <a:headEnd/>
-                <a:tailEnd/>
-              </a14:hiddenLine>
-            </a:ext>
-          </a:extLst>
-        </p:spPr>
-      </p:pic>
-    </p:spTree>
-    <p:extLst>
-      <p:ext uri="{BB962C8B-B14F-4D97-AF65-F5344CB8AC3E}">
-        <p14:creationId xmlns:p14="http://schemas.microsoft.com/office/powerpoint/2010/main" val="2928715991"/>
+        <p14:creationId xmlns:p14="http://schemas.microsoft.com/office/powerpoint/2010/main" xmlns="" val="1647345398"/>
       </p:ext>
     </p:extLst>
   </p:cSld>
@@ -10777,7 +10524,7 @@
     </p:spTree>
     <p:extLst>
       <p:ext uri="{BB962C8B-B14F-4D97-AF65-F5344CB8AC3E}">
-        <p14:creationId xmlns:p14="http://schemas.microsoft.com/office/powerpoint/2010/main" val="912066646"/>
+        <p14:creationId xmlns:p14="http://schemas.microsoft.com/office/powerpoint/2010/main" xmlns="" val="912066646"/>
       </p:ext>
     </p:extLst>
   </p:cSld>
@@ -10903,7 +10650,7 @@
     </p:spTree>
     <p:extLst>
       <p:ext uri="{BB962C8B-B14F-4D97-AF65-F5344CB8AC3E}">
-        <p14:creationId xmlns:p14="http://schemas.microsoft.com/office/powerpoint/2010/main" val="964142297"/>
+        <p14:creationId xmlns:p14="http://schemas.microsoft.com/office/powerpoint/2010/main" xmlns="" val="964142297"/>
       </p:ext>
     </p:extLst>
   </p:cSld>
@@ -10949,7 +10696,7 @@
           <a:blip r:embed="rId3">
             <a:extLst>
               <a:ext uri="{28A0092B-C50C-407E-A947-70E740481C1C}">
-                <a14:useLocalDpi xmlns:a14="http://schemas.microsoft.com/office/drawing/2010/main" val="0"/>
+                <a14:useLocalDpi xmlns:a14="http://schemas.microsoft.com/office/drawing/2010/main" xmlns="" val="0"/>
               </a:ext>
             </a:extLst>
           </a:blip>
@@ -10972,14 +10719,14 @@
           </a:ln>
           <a:extLst>
             <a:ext uri="{909E8E84-426E-40DD-AFC4-6F175D3DCCD1}">
-              <a14:hiddenFill xmlns:a14="http://schemas.microsoft.com/office/drawing/2010/main">
+              <a14:hiddenFill xmlns:a14="http://schemas.microsoft.com/office/drawing/2010/main" xmlns="">
                 <a:solidFill>
                   <a:srgbClr val="FFFFFF"/>
                 </a:solidFill>
               </a14:hiddenFill>
             </a:ext>
             <a:ext uri="{91240B29-F687-4F45-9708-019B960494DF}">
-              <a14:hiddenLine xmlns:a14="http://schemas.microsoft.com/office/drawing/2010/main" w="12700" cap="rnd">
+              <a14:hiddenLine xmlns:a14="http://schemas.microsoft.com/office/drawing/2010/main" xmlns="" w="12700" cap="rnd">
                 <a:solidFill>
                   <a:srgbClr val="000000"/>
                 </a:solidFill>
@@ -11065,7 +10812,7 @@
           <a:blip r:embed="rId4">
             <a:extLst>
               <a:ext uri="{28A0092B-C50C-407E-A947-70E740481C1C}">
-                <a14:useLocalDpi xmlns:a14="http://schemas.microsoft.com/office/drawing/2010/main" val="0"/>
+                <a14:useLocalDpi xmlns:a14="http://schemas.microsoft.com/office/drawing/2010/main" xmlns="" val="0"/>
               </a:ext>
             </a:extLst>
           </a:blip>
@@ -11088,14 +10835,14 @@
           </a:ln>
           <a:extLst>
             <a:ext uri="{909E8E84-426E-40DD-AFC4-6F175D3DCCD1}">
-              <a14:hiddenFill xmlns:a14="http://schemas.microsoft.com/office/drawing/2010/main">
+              <a14:hiddenFill xmlns:a14="http://schemas.microsoft.com/office/drawing/2010/main" xmlns="">
                 <a:solidFill>
                   <a:schemeClr val="accent1"/>
                 </a:solidFill>
               </a14:hiddenFill>
             </a:ext>
             <a:ext uri="{91240B29-F687-4F45-9708-019B960494DF}">
-              <a14:hiddenLine xmlns:a14="http://schemas.microsoft.com/office/drawing/2010/main" w="9525">
+              <a14:hiddenLine xmlns:a14="http://schemas.microsoft.com/office/drawing/2010/main" xmlns="" w="9525">
                 <a:solidFill>
                   <a:schemeClr val="tx1"/>
                 </a:solidFill>
@@ -11110,19 +10857,19 @@
     </p:spTree>
     <p:extLst>
       <p:ext uri="{BB962C8B-B14F-4D97-AF65-F5344CB8AC3E}">
-        <p14:creationId xmlns:p14="http://schemas.microsoft.com/office/powerpoint/2010/main" val="3992131196"/>
+        <p14:creationId xmlns:p14="http://schemas.microsoft.com/office/powerpoint/2010/main" xmlns="" val="3992131196"/>
       </p:ext>
     </p:extLst>
   </p:cSld>
   <p:clrMapOvr>
     <a:masterClrMapping/>
   </p:clrMapOvr>
-  <mc:AlternateContent xmlns:mc="http://schemas.openxmlformats.org/markup-compatibility/2006" xmlns:p14="http://schemas.microsoft.com/office/powerpoint/2010/main">
-    <mc:Choice Requires="p14">
+  <mc:AlternateContent xmlns:mc="http://schemas.openxmlformats.org/markup-compatibility/2006">
+    <mc:Choice xmlns:p14="http://schemas.microsoft.com/office/powerpoint/2010/main" xmlns="" Requires="p14">
       <p:transition spd="slow" p14:dur="2000"/>
     </mc:Choice>
-    <mc:Fallback xmlns="">
-      <p:transition xmlns:p14="http://schemas.microsoft.com/office/powerpoint/2010/main" spd="slow"/>
+    <mc:Fallback>
+      <p:transition spd="slow"/>
     </mc:Fallback>
   </mc:AlternateContent>
   <p:timing>
@@ -11164,7 +10911,7 @@
           <a:blip r:embed="rId2">
             <a:extLst>
               <a:ext uri="{28A0092B-C50C-407E-A947-70E740481C1C}">
-                <a14:useLocalDpi xmlns:a14="http://schemas.microsoft.com/office/drawing/2010/main" val="0"/>
+                <a14:useLocalDpi xmlns:a14="http://schemas.microsoft.com/office/drawing/2010/main" xmlns="" val="0"/>
               </a:ext>
             </a:extLst>
           </a:blip>
@@ -11187,14 +10934,14 @@
           </a:ln>
           <a:extLst>
             <a:ext uri="{909E8E84-426E-40DD-AFC4-6F175D3DCCD1}">
-              <a14:hiddenFill xmlns:a14="http://schemas.microsoft.com/office/drawing/2010/main">
+              <a14:hiddenFill xmlns:a14="http://schemas.microsoft.com/office/drawing/2010/main" xmlns="">
                 <a:solidFill>
                   <a:schemeClr val="accent1"/>
                 </a:solidFill>
               </a14:hiddenFill>
             </a:ext>
             <a:ext uri="{91240B29-F687-4F45-9708-019B960494DF}">
-              <a14:hiddenLine xmlns:a14="http://schemas.microsoft.com/office/drawing/2010/main" w="9525">
+              <a14:hiddenLine xmlns:a14="http://schemas.microsoft.com/office/drawing/2010/main" xmlns="" w="9525">
                 <a:solidFill>
                   <a:schemeClr val="tx1"/>
                 </a:solidFill>
@@ -11209,7 +10956,7 @@
     </p:spTree>
     <p:extLst>
       <p:ext uri="{BB962C8B-B14F-4D97-AF65-F5344CB8AC3E}">
-        <p14:creationId xmlns:p14="http://schemas.microsoft.com/office/powerpoint/2010/main" val="204316077"/>
+        <p14:creationId xmlns:p14="http://schemas.microsoft.com/office/powerpoint/2010/main" xmlns="" val="204316077"/>
       </p:ext>
     </p:extLst>
   </p:cSld>
@@ -11255,7 +11002,7 @@
           <a:blip r:embed="rId2">
             <a:extLst>
               <a:ext uri="{28A0092B-C50C-407E-A947-70E740481C1C}">
-                <a14:useLocalDpi xmlns:a14="http://schemas.microsoft.com/office/drawing/2010/main" val="0"/>
+                <a14:useLocalDpi xmlns:a14="http://schemas.microsoft.com/office/drawing/2010/main" xmlns="" val="0"/>
               </a:ext>
             </a:extLst>
           </a:blip>
@@ -11278,14 +11025,14 @@
           </a:ln>
           <a:extLst>
             <a:ext uri="{909E8E84-426E-40DD-AFC4-6F175D3DCCD1}">
-              <a14:hiddenFill xmlns:a14="http://schemas.microsoft.com/office/drawing/2010/main">
+              <a14:hiddenFill xmlns:a14="http://schemas.microsoft.com/office/drawing/2010/main" xmlns="">
                 <a:solidFill>
                   <a:schemeClr val="accent1"/>
                 </a:solidFill>
               </a14:hiddenFill>
             </a:ext>
             <a:ext uri="{91240B29-F687-4F45-9708-019B960494DF}">
-              <a14:hiddenLine xmlns:a14="http://schemas.microsoft.com/office/drawing/2010/main" w="9525">
+              <a14:hiddenLine xmlns:a14="http://schemas.microsoft.com/office/drawing/2010/main" xmlns="" w="9525">
                 <a:solidFill>
                   <a:schemeClr val="tx1"/>
                 </a:solidFill>
@@ -11300,7 +11047,7 @@
     </p:spTree>
     <p:extLst>
       <p:ext uri="{BB962C8B-B14F-4D97-AF65-F5344CB8AC3E}">
-        <p14:creationId xmlns:p14="http://schemas.microsoft.com/office/powerpoint/2010/main" val="608392353"/>
+        <p14:creationId xmlns:p14="http://schemas.microsoft.com/office/powerpoint/2010/main" xmlns="" val="608392353"/>
       </p:ext>
     </p:extLst>
   </p:cSld>
@@ -11346,7 +11093,7 @@
           <a:blip r:embed="rId2">
             <a:extLst>
               <a:ext uri="{28A0092B-C50C-407E-A947-70E740481C1C}">
-                <a14:useLocalDpi xmlns:a14="http://schemas.microsoft.com/office/drawing/2010/main" val="0"/>
+                <a14:useLocalDpi xmlns:a14="http://schemas.microsoft.com/office/drawing/2010/main" xmlns="" val="0"/>
               </a:ext>
             </a:extLst>
           </a:blip>
@@ -11369,14 +11116,14 @@
           </a:ln>
           <a:extLst>
             <a:ext uri="{909E8E84-426E-40DD-AFC4-6F175D3DCCD1}">
-              <a14:hiddenFill xmlns:a14="http://schemas.microsoft.com/office/drawing/2010/main">
+              <a14:hiddenFill xmlns:a14="http://schemas.microsoft.com/office/drawing/2010/main" xmlns="">
                 <a:solidFill>
                   <a:schemeClr val="accent1"/>
                 </a:solidFill>
               </a14:hiddenFill>
             </a:ext>
             <a:ext uri="{91240B29-F687-4F45-9708-019B960494DF}">
-              <a14:hiddenLine xmlns:a14="http://schemas.microsoft.com/office/drawing/2010/main" w="9525">
+              <a14:hiddenLine xmlns:a14="http://schemas.microsoft.com/office/drawing/2010/main" xmlns="" w="9525">
                 <a:solidFill>
                   <a:schemeClr val="tx1"/>
                 </a:solidFill>
@@ -11391,7 +11138,7 @@
     </p:spTree>
     <p:extLst>
       <p:ext uri="{BB962C8B-B14F-4D97-AF65-F5344CB8AC3E}">
-        <p14:creationId xmlns:p14="http://schemas.microsoft.com/office/powerpoint/2010/main" val="4209545799"/>
+        <p14:creationId xmlns:p14="http://schemas.microsoft.com/office/powerpoint/2010/main" xmlns="" val="4209545799"/>
       </p:ext>
     </p:extLst>
   </p:cSld>
@@ -11437,7 +11184,7 @@
           <a:blip r:embed="rId2">
             <a:extLst>
               <a:ext uri="{28A0092B-C50C-407E-A947-70E740481C1C}">
-                <a14:useLocalDpi xmlns:a14="http://schemas.microsoft.com/office/drawing/2010/main" val="0"/>
+                <a14:useLocalDpi xmlns:a14="http://schemas.microsoft.com/office/drawing/2010/main" xmlns="" val="0"/>
               </a:ext>
             </a:extLst>
           </a:blip>
@@ -11460,14 +11207,14 @@
           </a:ln>
           <a:extLst>
             <a:ext uri="{909E8E84-426E-40DD-AFC4-6F175D3DCCD1}">
-              <a14:hiddenFill xmlns:a14="http://schemas.microsoft.com/office/drawing/2010/main">
+              <a14:hiddenFill xmlns:a14="http://schemas.microsoft.com/office/drawing/2010/main" xmlns="">
                 <a:solidFill>
                   <a:schemeClr val="accent1"/>
                 </a:solidFill>
               </a14:hiddenFill>
             </a:ext>
             <a:ext uri="{91240B29-F687-4F45-9708-019B960494DF}">
-              <a14:hiddenLine xmlns:a14="http://schemas.microsoft.com/office/drawing/2010/main" w="9525">
+              <a14:hiddenLine xmlns:a14="http://schemas.microsoft.com/office/drawing/2010/main" xmlns="" w="9525">
                 <a:solidFill>
                   <a:schemeClr val="tx1"/>
                 </a:solidFill>
@@ -11482,7 +11229,7 @@
     </p:spTree>
     <p:extLst>
       <p:ext uri="{BB962C8B-B14F-4D97-AF65-F5344CB8AC3E}">
-        <p14:creationId xmlns:p14="http://schemas.microsoft.com/office/powerpoint/2010/main" val="3603734263"/>
+        <p14:creationId xmlns:p14="http://schemas.microsoft.com/office/powerpoint/2010/main" xmlns="" val="3603734263"/>
       </p:ext>
     </p:extLst>
   </p:cSld>
@@ -11528,7 +11275,7 @@
           <a:blip r:embed="rId2">
             <a:extLst>
               <a:ext uri="{28A0092B-C50C-407E-A947-70E740481C1C}">
-                <a14:useLocalDpi xmlns:a14="http://schemas.microsoft.com/office/drawing/2010/main" val="0"/>
+                <a14:useLocalDpi xmlns:a14="http://schemas.microsoft.com/office/drawing/2010/main" xmlns="" val="0"/>
               </a:ext>
             </a:extLst>
           </a:blip>
@@ -11551,14 +11298,14 @@
           </a:ln>
           <a:extLst>
             <a:ext uri="{909E8E84-426E-40DD-AFC4-6F175D3DCCD1}">
-              <a14:hiddenFill xmlns:a14="http://schemas.microsoft.com/office/drawing/2010/main">
+              <a14:hiddenFill xmlns:a14="http://schemas.microsoft.com/office/drawing/2010/main" xmlns="">
                 <a:solidFill>
                   <a:schemeClr val="accent1"/>
                 </a:solidFill>
               </a14:hiddenFill>
             </a:ext>
             <a:ext uri="{91240B29-F687-4F45-9708-019B960494DF}">
-              <a14:hiddenLine xmlns:a14="http://schemas.microsoft.com/office/drawing/2010/main" w="9525">
+              <a14:hiddenLine xmlns:a14="http://schemas.microsoft.com/office/drawing/2010/main" xmlns="" w="9525">
                 <a:solidFill>
                   <a:schemeClr val="tx1"/>
                 </a:solidFill>
@@ -11573,7 +11320,7 @@
     </p:spTree>
     <p:extLst>
       <p:ext uri="{BB962C8B-B14F-4D97-AF65-F5344CB8AC3E}">
-        <p14:creationId xmlns:p14="http://schemas.microsoft.com/office/powerpoint/2010/main" val="338946331"/>
+        <p14:creationId xmlns:p14="http://schemas.microsoft.com/office/powerpoint/2010/main" xmlns="" val="338946331"/>
       </p:ext>
     </p:extLst>
   </p:cSld>
